--- a/docs/Desenho da Solução Hackathon - Fase 5 v1.pptx
+++ b/docs/Desenho da Solução Hackathon - Fase 5 v1.pptx
@@ -16902,7 +16902,7 @@
                 <a:effectLst/>
                 <a:latin typeface="Gill Sans MT" panose="020B0502020104020203" pitchFamily="34" charset="0"/>
               </a:rPr>
-              <a:t>API GET http://{host}/doctorstimetables/{crm}</a:t>
+              <a:t>API GET http://{host}/doctorstimetables</a:t>
             </a:r>
             <a:endParaRPr lang="pt-BR" sz="1400" dirty="0">
               <a:solidFill>
@@ -18327,7 +18327,7 @@
                 <a:effectLst/>
                 <a:latin typeface="Gill Sans MT" panose="020B0502020104020203" pitchFamily="34" charset="0"/>
               </a:rPr>
-              <a:t>API POST http://{host}/doctorstimetables/{crm}</a:t>
+              <a:t>API POST http://{host}/doctorstimetables</a:t>
             </a:r>
             <a:endParaRPr lang="pt-BR" sz="1400" dirty="0">
               <a:solidFill>
@@ -28869,8 +28869,8 @@
         </p:nvSpPr>
         <p:spPr>
           <a:xfrm>
-            <a:off x="7254240" y="1568335"/>
-            <a:ext cx="4603206" cy="307777"/>
+            <a:off x="6911435" y="1568335"/>
+            <a:ext cx="4946011" cy="307777"/>
           </a:xfrm>
           <a:prstGeom prst="rect">
             <a:avLst/>
@@ -28903,7 +28903,7 @@
                 </a:solidFill>
                 <a:latin typeface="Gill Sans MT" panose="020B0502020104020203" pitchFamily="34" charset="0"/>
               </a:rPr>
-              <a:t>{cmr}/doctorstimetables</a:t>
+              <a:t>{iddoctor}/doctorstimetables</a:t>
             </a:r>
             <a:endParaRPr lang="pt-BR" sz="1400" dirty="0">
               <a:solidFill>
@@ -30328,7 +30328,7 @@
                 <a:effectLst/>
                 <a:latin typeface="Gill Sans MT" panose="020B0502020104020203" pitchFamily="34" charset="0"/>
               </a:rPr>
-              <a:t>API POST http://{host}/appointments/{cmr}</a:t>
+              <a:t>API POST http://{host}/appointments/{iddoctor}</a:t>
             </a:r>
           </a:p>
         </p:txBody>
@@ -30479,8 +30479,8 @@
         </p:nvSpPr>
         <p:spPr>
           <a:xfrm>
-            <a:off x="7001691" y="-51448"/>
-            <a:ext cx="5190337" cy="538609"/>
+            <a:off x="6242919" y="-51448"/>
+            <a:ext cx="5949110" cy="538609"/>
           </a:xfrm>
           <a:prstGeom prst="rect">
             <a:avLst/>
@@ -30506,7 +30506,7 @@
                 <a:latin typeface="Aharoni" panose="02010803020104030203" pitchFamily="2" charset="-79"/>
                 <a:cs typeface="Aharoni" panose="02010803020104030203" pitchFamily="2" charset="-79"/>
               </a:rPr>
-              <a:t>: Cadastro de Usuário - Paciente</a:t>
+              <a:t>: Cadastro de Agendamento - Paciente</a:t>
             </a:r>
           </a:p>
           <a:p>
@@ -32905,8 +32905,8 @@
         </p:nvSpPr>
         <p:spPr>
           <a:xfrm>
-            <a:off x="9014534" y="1020966"/>
-            <a:ext cx="1834986" cy="900246"/>
+            <a:off x="8863565" y="1094807"/>
+            <a:ext cx="1834986" cy="415498"/>
           </a:xfrm>
           <a:prstGeom prst="rect">
             <a:avLst/>
@@ -32925,37 +32925,7 @@
             </a:pPr>
             <a:r>
               <a:rPr lang="pt-BR" sz="1050" dirty="0"/>
-              <a:t>Cadastro de Usuários</a:t>
-            </a:r>
-          </a:p>
-          <a:p>
-            <a:pPr marL="228600" indent="-228600">
-              <a:buFont typeface="+mj-lt"/>
-              <a:buAutoNum type="arabicPeriod"/>
-            </a:pPr>
-            <a:r>
-              <a:rPr lang="pt-BR" sz="1050" dirty="0"/>
-              <a:t>Cadastro de Horários</a:t>
-            </a:r>
-          </a:p>
-          <a:p>
-            <a:pPr marL="228600" indent="-228600">
-              <a:buFont typeface="+mj-lt"/>
-              <a:buAutoNum type="arabicPeriod"/>
-            </a:pPr>
-            <a:r>
-              <a:rPr lang="pt-BR" sz="1050" dirty="0"/>
-              <a:t>Alteração de Horários</a:t>
-            </a:r>
-          </a:p>
-          <a:p>
-            <a:pPr marL="228600" indent="-228600">
-              <a:buFont typeface="+mj-lt"/>
-              <a:buAutoNum type="arabicPeriod"/>
-            </a:pPr>
-            <a:r>
-              <a:rPr lang="pt-BR" sz="1050" dirty="0"/>
-              <a:t>Exclusão de Horários</a:t>
+              <a:t>Manutenção de Horários</a:t>
             </a:r>
           </a:p>
           <a:p>
@@ -34040,298 +34010,6 @@
           </a:effectLst>
         </p:spPr>
       </p:pic>
-      <p:sp>
-        <p:nvSpPr>
-          <p:cNvPr id="2280" name="Retângulo 2279">
-            <a:extLst>
-              <a:ext uri="{FF2B5EF4-FFF2-40B4-BE49-F238E27FC236}">
-                <a16:creationId xmlns:a16="http://schemas.microsoft.com/office/drawing/2014/main" id="{3CEE4E24-EDD0-A08B-A621-40AC2741ADCE}"/>
-              </a:ext>
-            </a:extLst>
-          </p:cNvPr>
-          <p:cNvSpPr/>
-          <p:nvPr/>
-        </p:nvSpPr>
-        <p:spPr>
-          <a:xfrm>
-            <a:off x="5421254" y="2244418"/>
-            <a:ext cx="553314" cy="566970"/>
-          </a:xfrm>
-          <a:prstGeom prst="rect">
-            <a:avLst/>
-          </a:prstGeom>
-        </p:spPr>
-        <p:style>
-          <a:lnRef idx="2">
-            <a:schemeClr val="accent2">
-              <a:shade val="15000"/>
-            </a:schemeClr>
-          </a:lnRef>
-          <a:fillRef idx="1">
-            <a:schemeClr val="accent2"/>
-          </a:fillRef>
-          <a:effectRef idx="0">
-            <a:schemeClr val="accent2"/>
-          </a:effectRef>
-          <a:fontRef idx="minor">
-            <a:schemeClr val="lt1"/>
-          </a:fontRef>
-        </p:style>
-        <p:txBody>
-          <a:bodyPr rtlCol="0" anchor="ctr"/>
-          <a:lstStyle/>
-          <a:p>
-            <a:pPr algn="ctr"/>
-            <a:r>
-              <a:rPr lang="pt-BR" sz="1000" dirty="0"/>
-              <a:t>API AUTH</a:t>
-            </a:r>
-          </a:p>
-        </p:txBody>
-      </p:sp>
-      <p:sp>
-        <p:nvSpPr>
-          <p:cNvPr id="2281" name="Retângulo 2280">
-            <a:extLst>
-              <a:ext uri="{FF2B5EF4-FFF2-40B4-BE49-F238E27FC236}">
-                <a16:creationId xmlns:a16="http://schemas.microsoft.com/office/drawing/2014/main" id="{9EE6EAF0-7BA2-86B8-C14D-38A2377121FD}"/>
-              </a:ext>
-            </a:extLst>
-          </p:cNvPr>
-          <p:cNvSpPr/>
-          <p:nvPr/>
-        </p:nvSpPr>
-        <p:spPr>
-          <a:xfrm>
-            <a:off x="6020001" y="2244418"/>
-            <a:ext cx="533747" cy="566970"/>
-          </a:xfrm>
-          <a:prstGeom prst="rect">
-            <a:avLst/>
-          </a:prstGeom>
-        </p:spPr>
-        <p:style>
-          <a:lnRef idx="2">
-            <a:schemeClr val="accent2">
-              <a:shade val="15000"/>
-            </a:schemeClr>
-          </a:lnRef>
-          <a:fillRef idx="1">
-            <a:schemeClr val="accent2"/>
-          </a:fillRef>
-          <a:effectRef idx="0">
-            <a:schemeClr val="accent2"/>
-          </a:effectRef>
-          <a:fontRef idx="minor">
-            <a:schemeClr val="lt1"/>
-          </a:fontRef>
-        </p:style>
-        <p:txBody>
-          <a:bodyPr rtlCol="0" anchor="ctr"/>
-          <a:lstStyle/>
-          <a:p>
-            <a:pPr algn="ctr"/>
-            <a:r>
-              <a:rPr lang="pt-BR" sz="1000" dirty="0"/>
-              <a:t>API USERS</a:t>
-            </a:r>
-          </a:p>
-        </p:txBody>
-      </p:sp>
-      <p:cxnSp>
-        <p:nvCxnSpPr>
-          <p:cNvPr id="2293" name="Conector de Seta Reta 24">
-            <a:extLst>
-              <a:ext uri="{FF2B5EF4-FFF2-40B4-BE49-F238E27FC236}">
-                <a16:creationId xmlns:a16="http://schemas.microsoft.com/office/drawing/2014/main" id="{FA57C493-DBFC-E06B-B19D-5EE0D8B623EE}"/>
-              </a:ext>
-            </a:extLst>
-          </p:cNvPr>
-          <p:cNvCxnSpPr>
-            <a:cxnSpLocks/>
-            <a:stCxn id="24" idx="0"/>
-            <a:endCxn id="2281" idx="2"/>
-          </p:cNvCxnSpPr>
-          <p:nvPr/>
-        </p:nvCxnSpPr>
-        <p:spPr>
-          <a:xfrm rot="16200000" flipV="1">
-            <a:off x="7123322" y="1974941"/>
-            <a:ext cx="405016" cy="2077910"/>
-          </a:xfrm>
-          <a:prstGeom prst="bentConnector3">
-            <a:avLst>
-              <a:gd name="adj1" fmla="val 50000"/>
-            </a:avLst>
-          </a:prstGeom>
-          <a:ln>
-            <a:tailEnd type="triangle"/>
-          </a:ln>
-        </p:spPr>
-        <p:style>
-          <a:lnRef idx="2">
-            <a:schemeClr val="accent1"/>
-          </a:lnRef>
-          <a:fillRef idx="0">
-            <a:schemeClr val="accent1"/>
-          </a:fillRef>
-          <a:effectRef idx="1">
-            <a:schemeClr val="accent1"/>
-          </a:effectRef>
-          <a:fontRef idx="minor">
-            <a:schemeClr val="tx1"/>
-          </a:fontRef>
-        </p:style>
-      </p:cxnSp>
-      <p:cxnSp>
-        <p:nvCxnSpPr>
-          <p:cNvPr id="2296" name="Conector de Seta Reta 24">
-            <a:extLst>
-              <a:ext uri="{FF2B5EF4-FFF2-40B4-BE49-F238E27FC236}">
-                <a16:creationId xmlns:a16="http://schemas.microsoft.com/office/drawing/2014/main" id="{37F8CD07-E466-A025-20D1-05867EBF5CE8}"/>
-              </a:ext>
-            </a:extLst>
-          </p:cNvPr>
-          <p:cNvCxnSpPr>
-            <a:cxnSpLocks/>
-            <a:stCxn id="24" idx="0"/>
-            <a:endCxn id="2280" idx="2"/>
-          </p:cNvCxnSpPr>
-          <p:nvPr/>
-        </p:nvCxnSpPr>
-        <p:spPr>
-          <a:xfrm rot="16200000" flipV="1">
-            <a:off x="6828840" y="1680459"/>
-            <a:ext cx="405016" cy="2666874"/>
-          </a:xfrm>
-          <a:prstGeom prst="bentConnector3">
-            <a:avLst>
-              <a:gd name="adj1" fmla="val 50000"/>
-            </a:avLst>
-          </a:prstGeom>
-          <a:ln>
-            <a:tailEnd type="triangle"/>
-          </a:ln>
-        </p:spPr>
-        <p:style>
-          <a:lnRef idx="2">
-            <a:schemeClr val="accent1"/>
-          </a:lnRef>
-          <a:fillRef idx="0">
-            <a:schemeClr val="accent1"/>
-          </a:fillRef>
-          <a:effectRef idx="1">
-            <a:schemeClr val="accent1"/>
-          </a:effectRef>
-          <a:fontRef idx="minor">
-            <a:schemeClr val="tx1"/>
-          </a:fontRef>
-        </p:style>
-      </p:cxnSp>
-      <p:sp>
-        <p:nvSpPr>
-          <p:cNvPr id="2300" name="Balão de Fala: Retângulo 2299">
-            <a:extLst>
-              <a:ext uri="{FF2B5EF4-FFF2-40B4-BE49-F238E27FC236}">
-                <a16:creationId xmlns:a16="http://schemas.microsoft.com/office/drawing/2014/main" id="{0CECD016-7FC2-8305-5347-22BA52755214}"/>
-              </a:ext>
-            </a:extLst>
-          </p:cNvPr>
-          <p:cNvSpPr/>
-          <p:nvPr/>
-        </p:nvSpPr>
-        <p:spPr>
-          <a:xfrm>
-            <a:off x="4179385" y="971060"/>
-            <a:ext cx="2707669" cy="701070"/>
-          </a:xfrm>
-          <a:prstGeom prst="wedgeRectCallout">
-            <a:avLst>
-              <a:gd name="adj1" fmla="val 17162"/>
-              <a:gd name="adj2" fmla="val 103147"/>
-            </a:avLst>
-          </a:prstGeom>
-          <a:solidFill>
-            <a:srgbClr val="797C06"/>
-          </a:solidFill>
-        </p:spPr>
-        <p:style>
-          <a:lnRef idx="2">
-            <a:schemeClr val="accent2">
-              <a:shade val="15000"/>
-            </a:schemeClr>
-          </a:lnRef>
-          <a:fillRef idx="1">
-            <a:schemeClr val="accent2"/>
-          </a:fillRef>
-          <a:effectRef idx="0">
-            <a:schemeClr val="accent2"/>
-          </a:effectRef>
-          <a:fontRef idx="minor">
-            <a:schemeClr val="lt1"/>
-          </a:fontRef>
-        </p:style>
-        <p:txBody>
-          <a:bodyPr rtlCol="0" anchor="ctr"/>
-          <a:lstStyle/>
-          <a:p>
-            <a:pPr algn="ctr"/>
-            <a:r>
-              <a:rPr lang="pt-BR" sz="1200" dirty="0"/>
-              <a:t>Obs.: As integrações com esses micro serviços serão configuradas de acordo com a necessidade de cada </a:t>
-            </a:r>
-            <a:r>
-              <a:rPr lang="pt-BR" sz="1200" dirty="0" err="1"/>
-              <a:t>Worker</a:t>
-            </a:r>
-            <a:endParaRPr lang="pt-BR" sz="1200" dirty="0"/>
-          </a:p>
-        </p:txBody>
-      </p:sp>
-      <p:sp>
-        <p:nvSpPr>
-          <p:cNvPr id="2301" name="Chave Esquerda 2300">
-            <a:extLst>
-              <a:ext uri="{FF2B5EF4-FFF2-40B4-BE49-F238E27FC236}">
-                <a16:creationId xmlns:a16="http://schemas.microsoft.com/office/drawing/2014/main" id="{368931C4-F6D7-ED7E-05E9-F07D6C490415}"/>
-              </a:ext>
-            </a:extLst>
-          </p:cNvPr>
-          <p:cNvSpPr/>
-          <p:nvPr/>
-        </p:nvSpPr>
-        <p:spPr>
-          <a:xfrm rot="5400000">
-            <a:off x="5931788" y="1590678"/>
-            <a:ext cx="110133" cy="1131202"/>
-          </a:xfrm>
-          <a:prstGeom prst="leftBrace">
-            <a:avLst/>
-          </a:prstGeom>
-        </p:spPr>
-        <p:style>
-          <a:lnRef idx="1">
-            <a:schemeClr val="accent1"/>
-          </a:lnRef>
-          <a:fillRef idx="0">
-            <a:schemeClr val="accent1"/>
-          </a:fillRef>
-          <a:effectRef idx="0">
-            <a:schemeClr val="accent1"/>
-          </a:effectRef>
-          <a:fontRef idx="minor">
-            <a:schemeClr val="tx1"/>
-          </a:fontRef>
-        </p:style>
-        <p:txBody>
-          <a:bodyPr rtlCol="0" anchor="ctr"/>
-          <a:lstStyle/>
-          <a:p>
-            <a:pPr algn="ctr"/>
-            <a:endParaRPr lang="pt-BR"/>
-          </a:p>
-        </p:txBody>
-      </p:sp>
     </p:spTree>
     <p:extLst>
       <p:ext uri="{BB962C8B-B14F-4D97-AF65-F5344CB8AC3E}">
@@ -51507,100 +51185,6 @@
       </p:sp>
       <p:sp>
         <p:nvSpPr>
-          <p:cNvPr id="6" name="Retângulo 5">
-            <a:extLst>
-              <a:ext uri="{FF2B5EF4-FFF2-40B4-BE49-F238E27FC236}">
-                <a16:creationId xmlns:a16="http://schemas.microsoft.com/office/drawing/2014/main" id="{7B47A82F-8656-64E3-975E-2FE71075F54A}"/>
-              </a:ext>
-            </a:extLst>
-          </p:cNvPr>
-          <p:cNvSpPr/>
-          <p:nvPr/>
-        </p:nvSpPr>
-        <p:spPr>
-          <a:xfrm>
-            <a:off x="8511751" y="2274196"/>
-            <a:ext cx="886121" cy="566970"/>
-          </a:xfrm>
-          <a:prstGeom prst="rect">
-            <a:avLst/>
-          </a:prstGeom>
-        </p:spPr>
-        <p:style>
-          <a:lnRef idx="2">
-            <a:schemeClr val="accent1">
-              <a:shade val="15000"/>
-            </a:schemeClr>
-          </a:lnRef>
-          <a:fillRef idx="1">
-            <a:schemeClr val="accent1"/>
-          </a:fillRef>
-          <a:effectRef idx="0">
-            <a:schemeClr val="accent1"/>
-          </a:effectRef>
-          <a:fontRef idx="minor">
-            <a:schemeClr val="lt1"/>
-          </a:fontRef>
-        </p:style>
-        <p:txBody>
-          <a:bodyPr rtlCol="0" anchor="ctr"/>
-          <a:lstStyle/>
-          <a:p>
-            <a:pPr algn="ctr"/>
-            <a:r>
-              <a:rPr lang="pt-BR" sz="1000" dirty="0"/>
-              <a:t>RABBITMQ</a:t>
-            </a:r>
-          </a:p>
-        </p:txBody>
-      </p:sp>
-      <p:cxnSp>
-        <p:nvCxnSpPr>
-          <p:cNvPr id="26" name="Conector de Seta Reta 26">
-            <a:extLst>
-              <a:ext uri="{FF2B5EF4-FFF2-40B4-BE49-F238E27FC236}">
-                <a16:creationId xmlns:a16="http://schemas.microsoft.com/office/drawing/2014/main" id="{5BD5A49B-8126-B507-78A6-2F0E127F58F1}"/>
-              </a:ext>
-            </a:extLst>
-          </p:cNvPr>
-          <p:cNvCxnSpPr>
-            <a:cxnSpLocks/>
-            <a:stCxn id="7" idx="0"/>
-            <a:endCxn id="6" idx="2"/>
-          </p:cNvCxnSpPr>
-          <p:nvPr/>
-        </p:nvCxnSpPr>
-        <p:spPr>
-          <a:xfrm rot="5400000" flipH="1" flipV="1">
-            <a:off x="8324131" y="2603141"/>
-            <a:ext cx="392656" cy="868706"/>
-          </a:xfrm>
-          <a:prstGeom prst="bentConnector3">
-            <a:avLst>
-              <a:gd name="adj1" fmla="val 50000"/>
-            </a:avLst>
-          </a:prstGeom>
-          <a:ln>
-            <a:tailEnd type="triangle"/>
-          </a:ln>
-        </p:spPr>
-        <p:style>
-          <a:lnRef idx="2">
-            <a:schemeClr val="accent1"/>
-          </a:lnRef>
-          <a:fillRef idx="0">
-            <a:schemeClr val="accent1"/>
-          </a:fillRef>
-          <a:effectRef idx="1">
-            <a:schemeClr val="accent1"/>
-          </a:effectRef>
-          <a:fontRef idx="minor">
-            <a:schemeClr val="tx1"/>
-          </a:fontRef>
-        </p:style>
-      </p:cxnSp>
-      <p:sp>
-        <p:nvSpPr>
           <p:cNvPr id="49" name="Retângulo 48">
             <a:extLst>
               <a:ext uri="{FF2B5EF4-FFF2-40B4-BE49-F238E27FC236}">
@@ -52277,6 +51861,99 @@
           </a:extLst>
         </p:spPr>
       </p:pic>
+      <p:sp>
+        <p:nvSpPr>
+          <p:cNvPr id="2251" name="Retângulo 2250">
+            <a:extLst>
+              <a:ext uri="{FF2B5EF4-FFF2-40B4-BE49-F238E27FC236}">
+                <a16:creationId xmlns:a16="http://schemas.microsoft.com/office/drawing/2014/main" id="{08E716F8-BE3A-A66F-A862-EAA0D655BAAB}"/>
+              </a:ext>
+            </a:extLst>
+          </p:cNvPr>
+          <p:cNvSpPr/>
+          <p:nvPr/>
+        </p:nvSpPr>
+        <p:spPr>
+          <a:xfrm>
+            <a:off x="6984057" y="2266898"/>
+            <a:ext cx="697646" cy="566970"/>
+          </a:xfrm>
+          <a:prstGeom prst="rect">
+            <a:avLst/>
+          </a:prstGeom>
+        </p:spPr>
+        <p:style>
+          <a:lnRef idx="2">
+            <a:schemeClr val="accent1">
+              <a:shade val="15000"/>
+            </a:schemeClr>
+          </a:lnRef>
+          <a:fillRef idx="1">
+            <a:schemeClr val="accent1"/>
+          </a:fillRef>
+          <a:effectRef idx="0">
+            <a:schemeClr val="accent1"/>
+          </a:effectRef>
+          <a:fontRef idx="minor">
+            <a:schemeClr val="lt1"/>
+          </a:fontRef>
+        </p:style>
+        <p:txBody>
+          <a:bodyPr rtlCol="0" anchor="ctr"/>
+          <a:lstStyle/>
+          <a:p>
+            <a:pPr algn="ctr"/>
+            <a:r>
+              <a:rPr lang="pt-BR" sz="1000" dirty="0"/>
+              <a:t>SQL SERVER</a:t>
+            </a:r>
+          </a:p>
+        </p:txBody>
+      </p:sp>
+      <p:cxnSp>
+        <p:nvCxnSpPr>
+          <p:cNvPr id="2252" name="Conector de Seta Reta 24">
+            <a:extLst>
+              <a:ext uri="{FF2B5EF4-FFF2-40B4-BE49-F238E27FC236}">
+                <a16:creationId xmlns:a16="http://schemas.microsoft.com/office/drawing/2014/main" id="{D2641D7E-77AE-5420-430D-901C73AA438D}"/>
+              </a:ext>
+            </a:extLst>
+          </p:cNvPr>
+          <p:cNvCxnSpPr>
+            <a:cxnSpLocks/>
+            <a:endCxn id="2251" idx="2"/>
+          </p:cNvCxnSpPr>
+          <p:nvPr/>
+        </p:nvCxnSpPr>
+        <p:spPr>
+          <a:xfrm rot="16200000" flipV="1">
+            <a:off x="7509516" y="2657232"/>
+            <a:ext cx="399954" cy="753226"/>
+          </a:xfrm>
+          <a:prstGeom prst="bentConnector3">
+            <a:avLst>
+              <a:gd name="adj1" fmla="val 50000"/>
+            </a:avLst>
+          </a:prstGeom>
+          <a:ln>
+            <a:tailEnd type="triangle"/>
+          </a:ln>
+        </p:spPr>
+        <p:style>
+          <a:lnRef idx="2">
+            <a:schemeClr val="accent1"/>
+          </a:lnRef>
+          <a:fillRef idx="0">
+            <a:schemeClr val="accent1"/>
+          </a:fillRef>
+          <a:effectRef idx="1">
+            <a:schemeClr val="accent1"/>
+          </a:effectRef>
+          <a:fontRef idx="minor">
+            <a:schemeClr val="tx1"/>
+          </a:fontRef>
+        </p:style>
+      </p:cxnSp>
     </p:spTree>
     <p:extLst>
       <p:ext uri="{BB962C8B-B14F-4D97-AF65-F5344CB8AC3E}">
@@ -53897,100 +53574,6 @@
           </a:p>
         </p:txBody>
       </p:sp>
-      <p:sp>
-        <p:nvSpPr>
-          <p:cNvPr id="6" name="Retângulo 5">
-            <a:extLst>
-              <a:ext uri="{FF2B5EF4-FFF2-40B4-BE49-F238E27FC236}">
-                <a16:creationId xmlns:a16="http://schemas.microsoft.com/office/drawing/2014/main" id="{860D8298-E1E9-CDE3-D948-201409EB64F2}"/>
-              </a:ext>
-            </a:extLst>
-          </p:cNvPr>
-          <p:cNvSpPr/>
-          <p:nvPr/>
-        </p:nvSpPr>
-        <p:spPr>
-          <a:xfrm>
-            <a:off x="8511751" y="2274196"/>
-            <a:ext cx="886121" cy="566970"/>
-          </a:xfrm>
-          <a:prstGeom prst="rect">
-            <a:avLst/>
-          </a:prstGeom>
-        </p:spPr>
-        <p:style>
-          <a:lnRef idx="2">
-            <a:schemeClr val="accent1">
-              <a:shade val="15000"/>
-            </a:schemeClr>
-          </a:lnRef>
-          <a:fillRef idx="1">
-            <a:schemeClr val="accent1"/>
-          </a:fillRef>
-          <a:effectRef idx="0">
-            <a:schemeClr val="accent1"/>
-          </a:effectRef>
-          <a:fontRef idx="minor">
-            <a:schemeClr val="lt1"/>
-          </a:fontRef>
-        </p:style>
-        <p:txBody>
-          <a:bodyPr rtlCol="0" anchor="ctr"/>
-          <a:lstStyle/>
-          <a:p>
-            <a:pPr algn="ctr"/>
-            <a:r>
-              <a:rPr lang="pt-BR" sz="1000" dirty="0"/>
-              <a:t>RABBITMQ</a:t>
-            </a:r>
-          </a:p>
-        </p:txBody>
-      </p:sp>
-      <p:cxnSp>
-        <p:nvCxnSpPr>
-          <p:cNvPr id="26" name="Conector de Seta Reta 26">
-            <a:extLst>
-              <a:ext uri="{FF2B5EF4-FFF2-40B4-BE49-F238E27FC236}">
-                <a16:creationId xmlns:a16="http://schemas.microsoft.com/office/drawing/2014/main" id="{74C2094E-951F-D9B7-7106-4B7D815E2671}"/>
-              </a:ext>
-            </a:extLst>
-          </p:cNvPr>
-          <p:cNvCxnSpPr>
-            <a:cxnSpLocks/>
-            <a:stCxn id="7" idx="0"/>
-            <a:endCxn id="6" idx="2"/>
-          </p:cNvCxnSpPr>
-          <p:nvPr/>
-        </p:nvCxnSpPr>
-        <p:spPr>
-          <a:xfrm rot="5400000" flipH="1" flipV="1">
-            <a:off x="8324131" y="2603141"/>
-            <a:ext cx="392656" cy="868706"/>
-          </a:xfrm>
-          <a:prstGeom prst="bentConnector3">
-            <a:avLst>
-              <a:gd name="adj1" fmla="val 50000"/>
-            </a:avLst>
-          </a:prstGeom>
-          <a:ln>
-            <a:tailEnd type="triangle"/>
-          </a:ln>
-        </p:spPr>
-        <p:style>
-          <a:lnRef idx="2">
-            <a:schemeClr val="accent1"/>
-          </a:lnRef>
-          <a:fillRef idx="0">
-            <a:schemeClr val="accent1"/>
-          </a:fillRef>
-          <a:effectRef idx="1">
-            <a:schemeClr val="accent1"/>
-          </a:effectRef>
-          <a:fontRef idx="minor">
-            <a:schemeClr val="tx1"/>
-          </a:fontRef>
-        </p:style>
-      </p:cxnSp>
       <p:sp>
         <p:nvSpPr>
           <p:cNvPr id="49" name="Retângulo 48">
@@ -54669,6 +54252,100 @@
           </a:extLst>
         </p:spPr>
       </p:pic>
+      <p:sp>
+        <p:nvSpPr>
+          <p:cNvPr id="27" name="Retângulo 26">
+            <a:extLst>
+              <a:ext uri="{FF2B5EF4-FFF2-40B4-BE49-F238E27FC236}">
+                <a16:creationId xmlns:a16="http://schemas.microsoft.com/office/drawing/2014/main" id="{609EA582-21EB-4C20-D842-8EA14A99A8F9}"/>
+              </a:ext>
+            </a:extLst>
+          </p:cNvPr>
+          <p:cNvSpPr/>
+          <p:nvPr/>
+        </p:nvSpPr>
+        <p:spPr>
+          <a:xfrm>
+            <a:off x="6984057" y="2266898"/>
+            <a:ext cx="697646" cy="566970"/>
+          </a:xfrm>
+          <a:prstGeom prst="rect">
+            <a:avLst/>
+          </a:prstGeom>
+        </p:spPr>
+        <p:style>
+          <a:lnRef idx="2">
+            <a:schemeClr val="accent1">
+              <a:shade val="15000"/>
+            </a:schemeClr>
+          </a:lnRef>
+          <a:fillRef idx="1">
+            <a:schemeClr val="accent1"/>
+          </a:fillRef>
+          <a:effectRef idx="0">
+            <a:schemeClr val="accent1"/>
+          </a:effectRef>
+          <a:fontRef idx="minor">
+            <a:schemeClr val="lt1"/>
+          </a:fontRef>
+        </p:style>
+        <p:txBody>
+          <a:bodyPr rtlCol="0" anchor="ctr"/>
+          <a:lstStyle/>
+          <a:p>
+            <a:pPr algn="ctr"/>
+            <a:r>
+              <a:rPr lang="pt-BR" sz="1000" dirty="0"/>
+              <a:t>SQL SERVER</a:t>
+            </a:r>
+          </a:p>
+        </p:txBody>
+      </p:sp>
+      <p:cxnSp>
+        <p:nvCxnSpPr>
+          <p:cNvPr id="28" name="Conector de Seta Reta 24">
+            <a:extLst>
+              <a:ext uri="{FF2B5EF4-FFF2-40B4-BE49-F238E27FC236}">
+                <a16:creationId xmlns:a16="http://schemas.microsoft.com/office/drawing/2014/main" id="{119DF3E0-F900-C465-6324-AFBFCAC190AF}"/>
+              </a:ext>
+            </a:extLst>
+          </p:cNvPr>
+          <p:cNvCxnSpPr>
+            <a:cxnSpLocks/>
+            <a:stCxn id="7" idx="0"/>
+            <a:endCxn id="27" idx="2"/>
+          </p:cNvCxnSpPr>
+          <p:nvPr/>
+        </p:nvCxnSpPr>
+        <p:spPr>
+          <a:xfrm rot="16200000" flipV="1">
+            <a:off x="7509516" y="2657232"/>
+            <a:ext cx="399954" cy="753226"/>
+          </a:xfrm>
+          <a:prstGeom prst="bentConnector3">
+            <a:avLst>
+              <a:gd name="adj1" fmla="val 50000"/>
+            </a:avLst>
+          </a:prstGeom>
+          <a:ln>
+            <a:tailEnd type="triangle"/>
+          </a:ln>
+        </p:spPr>
+        <p:style>
+          <a:lnRef idx="2">
+            <a:schemeClr val="accent1"/>
+          </a:lnRef>
+          <a:fillRef idx="0">
+            <a:schemeClr val="accent1"/>
+          </a:fillRef>
+          <a:effectRef idx="1">
+            <a:schemeClr val="accent1"/>
+          </a:effectRef>
+          <a:fontRef idx="minor">
+            <a:schemeClr val="tx1"/>
+          </a:fontRef>
+        </p:style>
+      </p:cxnSp>
     </p:spTree>
     <p:extLst>
       <p:ext uri="{BB962C8B-B14F-4D97-AF65-F5344CB8AC3E}">
